--- a/trunk/Documentacion/presentacion.pptx
+++ b/trunk/Documentacion/presentacion.pptx
@@ -293,7 +293,8 @@
           <a:p>
             <a:fld id="{A00314D5-128D-4938-8DB7-98C50BFF924F}" type="datetimeFigureOut">
               <a:rPr lang="es-ES" smtClean="0"/>
-              <a:t>21/05/2010</a:t>
+              <a:pPr/>
+              <a:t>25/05/2010</a:t>
             </a:fld>
             <a:endParaRPr lang="es-ES"/>
           </a:p>
@@ -335,6 +336,7 @@
           <a:p>
             <a:fld id="{DCF3959A-C5BE-41DC-AE9A-344579B7B5FF}" type="slidenum">
               <a:rPr lang="es-ES" smtClean="0"/>
+              <a:pPr/>
               <a:t>‹Nº›</a:t>
             </a:fld>
             <a:endParaRPr lang="es-ES"/>
@@ -458,7 +460,8 @@
           <a:p>
             <a:fld id="{A00314D5-128D-4938-8DB7-98C50BFF924F}" type="datetimeFigureOut">
               <a:rPr lang="es-ES" smtClean="0"/>
-              <a:t>21/05/2010</a:t>
+              <a:pPr/>
+              <a:t>25/05/2010</a:t>
             </a:fld>
             <a:endParaRPr lang="es-ES"/>
           </a:p>
@@ -500,6 +503,7 @@
           <a:p>
             <a:fld id="{DCF3959A-C5BE-41DC-AE9A-344579B7B5FF}" type="slidenum">
               <a:rPr lang="es-ES" smtClean="0"/>
+              <a:pPr/>
               <a:t>‹Nº›</a:t>
             </a:fld>
             <a:endParaRPr lang="es-ES"/>
@@ -633,7 +637,8 @@
           <a:p>
             <a:fld id="{A00314D5-128D-4938-8DB7-98C50BFF924F}" type="datetimeFigureOut">
               <a:rPr lang="es-ES" smtClean="0"/>
-              <a:t>21/05/2010</a:t>
+              <a:pPr/>
+              <a:t>25/05/2010</a:t>
             </a:fld>
             <a:endParaRPr lang="es-ES"/>
           </a:p>
@@ -675,6 +680,7 @@
           <a:p>
             <a:fld id="{DCF3959A-C5BE-41DC-AE9A-344579B7B5FF}" type="slidenum">
               <a:rPr lang="es-ES" smtClean="0"/>
+              <a:pPr/>
               <a:t>‹Nº›</a:t>
             </a:fld>
             <a:endParaRPr lang="es-ES"/>
@@ -798,7 +804,8 @@
           <a:p>
             <a:fld id="{A00314D5-128D-4938-8DB7-98C50BFF924F}" type="datetimeFigureOut">
               <a:rPr lang="es-ES" smtClean="0"/>
-              <a:t>21/05/2010</a:t>
+              <a:pPr/>
+              <a:t>25/05/2010</a:t>
             </a:fld>
             <a:endParaRPr lang="es-ES"/>
           </a:p>
@@ -840,6 +847,7 @@
           <a:p>
             <a:fld id="{DCF3959A-C5BE-41DC-AE9A-344579B7B5FF}" type="slidenum">
               <a:rPr lang="es-ES" smtClean="0"/>
+              <a:pPr/>
               <a:t>‹Nº›</a:t>
             </a:fld>
             <a:endParaRPr lang="es-ES"/>
@@ -1040,7 +1048,8 @@
           <a:p>
             <a:fld id="{A00314D5-128D-4938-8DB7-98C50BFF924F}" type="datetimeFigureOut">
               <a:rPr lang="es-ES" smtClean="0"/>
-              <a:t>21/05/2010</a:t>
+              <a:pPr/>
+              <a:t>25/05/2010</a:t>
             </a:fld>
             <a:endParaRPr lang="es-ES"/>
           </a:p>
@@ -1082,6 +1091,7 @@
           <a:p>
             <a:fld id="{DCF3959A-C5BE-41DC-AE9A-344579B7B5FF}" type="slidenum">
               <a:rPr lang="es-ES" smtClean="0"/>
+              <a:pPr/>
               <a:t>‹Nº›</a:t>
             </a:fld>
             <a:endParaRPr lang="es-ES"/>
@@ -1304,7 +1314,8 @@
           <a:p>
             <a:fld id="{A00314D5-128D-4938-8DB7-98C50BFF924F}" type="datetimeFigureOut">
               <a:rPr lang="es-ES" smtClean="0"/>
-              <a:t>21/05/2010</a:t>
+              <a:pPr/>
+              <a:t>25/05/2010</a:t>
             </a:fld>
             <a:endParaRPr lang="es-ES"/>
           </a:p>
@@ -1346,6 +1357,7 @@
           <a:p>
             <a:fld id="{DCF3959A-C5BE-41DC-AE9A-344579B7B5FF}" type="slidenum">
               <a:rPr lang="es-ES" smtClean="0"/>
+              <a:pPr/>
               <a:t>‹Nº›</a:t>
             </a:fld>
             <a:endParaRPr lang="es-ES"/>
@@ -1682,7 +1694,8 @@
           <a:p>
             <a:fld id="{A00314D5-128D-4938-8DB7-98C50BFF924F}" type="datetimeFigureOut">
               <a:rPr lang="es-ES" smtClean="0"/>
-              <a:t>21/05/2010</a:t>
+              <a:pPr/>
+              <a:t>25/05/2010</a:t>
             </a:fld>
             <a:endParaRPr lang="es-ES"/>
           </a:p>
@@ -1724,6 +1737,7 @@
           <a:p>
             <a:fld id="{DCF3959A-C5BE-41DC-AE9A-344579B7B5FF}" type="slidenum">
               <a:rPr lang="es-ES" smtClean="0"/>
+              <a:pPr/>
               <a:t>‹Nº›</a:t>
             </a:fld>
             <a:endParaRPr lang="es-ES"/>
@@ -1832,7 +1846,8 @@
           <a:p>
             <a:fld id="{A00314D5-128D-4938-8DB7-98C50BFF924F}" type="datetimeFigureOut">
               <a:rPr lang="es-ES" smtClean="0"/>
-              <a:t>21/05/2010</a:t>
+              <a:pPr/>
+              <a:t>25/05/2010</a:t>
             </a:fld>
             <a:endParaRPr lang="es-ES"/>
           </a:p>
@@ -1874,6 +1889,7 @@
           <a:p>
             <a:fld id="{DCF3959A-C5BE-41DC-AE9A-344579B7B5FF}" type="slidenum">
               <a:rPr lang="es-ES" smtClean="0"/>
+              <a:pPr/>
               <a:t>‹Nº›</a:t>
             </a:fld>
             <a:endParaRPr lang="es-ES"/>
@@ -1922,7 +1938,8 @@
           <a:p>
             <a:fld id="{A00314D5-128D-4938-8DB7-98C50BFF924F}" type="datetimeFigureOut">
               <a:rPr lang="es-ES" smtClean="0"/>
-              <a:t>21/05/2010</a:t>
+              <a:pPr/>
+              <a:t>25/05/2010</a:t>
             </a:fld>
             <a:endParaRPr lang="es-ES"/>
           </a:p>
@@ -1964,6 +1981,7 @@
           <a:p>
             <a:fld id="{DCF3959A-C5BE-41DC-AE9A-344579B7B5FF}" type="slidenum">
               <a:rPr lang="es-ES" smtClean="0"/>
+              <a:pPr/>
               <a:t>‹Nº›</a:t>
             </a:fld>
             <a:endParaRPr lang="es-ES"/>
@@ -2183,7 +2201,8 @@
           <a:p>
             <a:fld id="{A00314D5-128D-4938-8DB7-98C50BFF924F}" type="datetimeFigureOut">
               <a:rPr lang="es-ES" smtClean="0"/>
-              <a:t>21/05/2010</a:t>
+              <a:pPr/>
+              <a:t>25/05/2010</a:t>
             </a:fld>
             <a:endParaRPr lang="es-ES"/>
           </a:p>
@@ -2225,6 +2244,7 @@
           <a:p>
             <a:fld id="{DCF3959A-C5BE-41DC-AE9A-344579B7B5FF}" type="slidenum">
               <a:rPr lang="es-ES" smtClean="0"/>
+              <a:pPr/>
               <a:t>‹Nº›</a:t>
             </a:fld>
             <a:endParaRPr lang="es-ES"/>
@@ -2471,7 +2491,8 @@
           <a:p>
             <a:fld id="{A00314D5-128D-4938-8DB7-98C50BFF924F}" type="datetimeFigureOut">
               <a:rPr lang="es-ES" smtClean="0"/>
-              <a:t>21/05/2010</a:t>
+              <a:pPr/>
+              <a:t>25/05/2010</a:t>
             </a:fld>
             <a:endParaRPr lang="es-ES"/>
           </a:p>
@@ -2518,6 +2539,7 @@
           <a:p>
             <a:fld id="{DCF3959A-C5BE-41DC-AE9A-344579B7B5FF}" type="slidenum">
               <a:rPr lang="es-ES" smtClean="0"/>
+              <a:pPr/>
               <a:t>‹Nº›</a:t>
             </a:fld>
             <a:endParaRPr lang="es-ES"/>
@@ -3242,7 +3264,8 @@
           <a:p>
             <a:fld id="{A00314D5-128D-4938-8DB7-98C50BFF924F}" type="datetimeFigureOut">
               <a:rPr lang="es-ES" smtClean="0"/>
-              <a:t>21/05/2010</a:t>
+              <a:pPr/>
+              <a:t>25/05/2010</a:t>
             </a:fld>
             <a:endParaRPr lang="es-ES"/>
           </a:p>
@@ -3320,6 +3343,7 @@
           <a:p>
             <a:fld id="{DCF3959A-C5BE-41DC-AE9A-344579B7B5FF}" type="slidenum">
               <a:rPr lang="es-ES" smtClean="0"/>
+              <a:pPr/>
               <a:t>‹Nº›</a:t>
             </a:fld>
             <a:endParaRPr lang="es-ES"/>
@@ -4175,6 +4199,33 @@
           <a:bodyPr/>
           <a:lstStyle/>
           <a:p>
+            <a:r>
+              <a:rPr lang="es-ES" dirty="0" smtClean="0"/>
+              <a:t>Para desarrollar la capa de base de datos nos hemos decantado por Oracle.</a:t>
+            </a:r>
+          </a:p>
+          <a:p>
+            <a:r>
+              <a:rPr lang="es-ES" dirty="0" smtClean="0"/>
+              <a:t>En la base de datos vamos a guardar toda la información de la aplicación(árbitros, emplazamientos, eventos, entradas… ).</a:t>
+            </a:r>
+          </a:p>
+          <a:p>
+            <a:r>
+              <a:rPr lang="es-ES" dirty="0" smtClean="0"/>
+              <a:t>A esta capa se accede mediante la capa de negocio, para ello hemos diseñado un </a:t>
+            </a:r>
+            <a:r>
+              <a:rPr lang="es-ES" dirty="0" err="1" smtClean="0"/>
+              <a:t>access</a:t>
+            </a:r>
+            <a:r>
+              <a:rPr lang="es-ES" dirty="0" smtClean="0"/>
+              <a:t> control para que todos los usuarios puedan acceder a todos los privilegios: por ejemplo, un usuario nunca va a poder modificar la tabla resultado, solo podrá el árbitro.</a:t>
+            </a:r>
+            <a:endParaRPr lang="es-ES" smtClean="0"/>
+          </a:p>
+          <a:p>
             <a:endParaRPr lang="es-ES" dirty="0"/>
           </a:p>
         </p:txBody>
@@ -4553,11 +4604,7 @@
             </a:pPr>
             <a:r>
               <a:rPr lang="es-ES" sz="2800" dirty="0" smtClean="0"/>
-              <a:t> </a:t>
-            </a:r>
-            <a:r>
-              <a:rPr lang="es-ES" sz="2800" dirty="0" smtClean="0"/>
-              <a:t>Planificación de eventos:</a:t>
+              <a:t> Planificación de eventos:</a:t>
             </a:r>
           </a:p>
           <a:p>
@@ -4779,11 +4826,7 @@
             </a:pPr>
             <a:r>
               <a:rPr lang="es-ES" dirty="0" smtClean="0"/>
-              <a:t>	</a:t>
-            </a:r>
-            <a:r>
-              <a:rPr lang="es-ES" dirty="0" smtClean="0"/>
-              <a:t>Pueda delegarse  todo el sistema informático de las olimpiadas en u</a:t>
+              <a:t>	Pueda delegarse  todo el sistema informático de las olimpiadas en u</a:t>
             </a:r>
             <a:r>
               <a:rPr lang="es-ES" sz="2400" dirty="0" smtClean="0"/>
@@ -4901,7 +4944,6 @@
               <a:rPr lang="es-ES" dirty="0" smtClean="0"/>
               <a:t>Cualquier usuario sin identificarse</a:t>
             </a:r>
-            <a:endParaRPr lang="es-ES" dirty="0" smtClean="0"/>
           </a:p>
           <a:p>
             <a:r>
@@ -4926,7 +4968,6 @@
               <a:rPr lang="es-ES" dirty="0" smtClean="0"/>
               <a:t>Reservado para los árbitros de las competiciones. </a:t>
             </a:r>
-            <a:endParaRPr lang="es-ES" dirty="0" smtClean="0"/>
           </a:p>
           <a:p>
             <a:r>
@@ -4937,11 +4978,7 @@
           <a:p>
             <a:r>
               <a:rPr lang="es-ES" dirty="0" smtClean="0"/>
-              <a:t>Reservado para miembros </a:t>
-            </a:r>
-            <a:r>
-              <a:rPr lang="es-ES" dirty="0" smtClean="0"/>
-              <a:t>del Comité Olímpico Internacional. </a:t>
+              <a:t>Reservado para miembros del Comité Olímpico Internacional. </a:t>
             </a:r>
           </a:p>
           <a:p>
@@ -4949,29 +4986,18 @@
               <a:rPr lang="es-ES" dirty="0" smtClean="0"/>
               <a:t>AYUNTAMIENTO </a:t>
             </a:r>
-            <a:endParaRPr lang="es-ES" dirty="0" smtClean="0"/>
           </a:p>
           <a:p>
             <a:r>
               <a:rPr lang="es-ES" dirty="0" smtClean="0"/>
-              <a:t>Reservado para miembro </a:t>
-            </a:r>
-            <a:r>
-              <a:rPr lang="es-ES" dirty="0" smtClean="0"/>
-              <a:t>del ayuntamiento </a:t>
-            </a:r>
-            <a:r>
-              <a:rPr lang="es-ES" dirty="0" smtClean="0"/>
-              <a:t>local</a:t>
-            </a:r>
-            <a:endParaRPr lang="es-ES" dirty="0" smtClean="0"/>
+              <a:t>Reservado para miembro del ayuntamiento local</a:t>
+            </a:r>
           </a:p>
           <a:p>
             <a:r>
               <a:rPr lang="es-ES" dirty="0" smtClean="0"/>
               <a:t>ADMINISTRACIÓN – GESTOR DE EVENTOS </a:t>
             </a:r>
-            <a:endParaRPr lang="es-ES" dirty="0" smtClean="0"/>
           </a:p>
           <a:p>
             <a:r>
